--- a/materials/ch05/ch05_1-发布简单的小程序.pptx
+++ b/materials/ch05/ch05_1-发布简单的小程序.pptx
@@ -7,7 +7,6 @@
   <p:sldIdLst>
     <p:sldId id="256" r:id="rId2"/>
     <p:sldId id="273" r:id="rId3"/>
-    <p:sldId id="274" r:id="rId4"/>
   </p:sldIdLst>
   <p:sldSz cx="12192000" cy="6858000"/>
   <p:notesSz cx="6858000" cy="9144000"/>
@@ -113,7 +112,6 @@
           <p14:sldIdLst>
             <p14:sldId id="256"/>
             <p14:sldId id="273"/>
-            <p14:sldId id="274"/>
           </p14:sldIdLst>
         </p14:section>
         <p14:section name="无标题节" id="{70FD2762-EEE5-4F2A-ADA9-74F2D228DBDA}">
@@ -3494,11 +3492,51 @@
           <a:p>
             <a:r>
               <a:rPr lang="zh-CN" altLang="en-US" dirty="0"/>
-              <a:t>通过这段时间的学习，</a:t>
+              <a:t>了解小程序发布的流程，发布一个简单的小程序。</a:t>
             </a:r>
             <a:endParaRPr lang="en-US" altLang="zh-CN" dirty="0"/>
           </a:p>
           <a:p>
+            <a:r>
+              <a:rPr lang="zh-CN" altLang="en-US" dirty="0"/>
+              <a:t>根据之前学习的内容以及小程序提供的功能，参考开发者文档完成一些工具类的功能。</a:t>
+            </a:r>
+            <a:endParaRPr lang="en-US" altLang="zh-CN" dirty="0"/>
+          </a:p>
+          <a:p>
+            <a:r>
+              <a:rPr lang="zh-CN" altLang="en-US" dirty="0"/>
+              <a:t>参考选项：</a:t>
+            </a:r>
+            <a:endParaRPr lang="en-US" altLang="zh-CN" dirty="0"/>
+          </a:p>
+          <a:p>
+            <a:pPr lvl="1">
+              <a:buFont typeface="等线" panose="02010600030101010101" pitchFamily="2" charset="-122"/>
+              <a:buChar char="–"/>
+            </a:pPr>
+            <a:r>
+              <a:rPr lang="zh-CN" altLang="en-US" dirty="0"/>
+              <a:t>指南针（指北针）</a:t>
+            </a:r>
+            <a:endParaRPr lang="en-US" altLang="zh-CN" dirty="0"/>
+          </a:p>
+          <a:p>
+            <a:pPr lvl="1">
+              <a:buFont typeface="等线" panose="02010600030101010101" pitchFamily="2" charset="-122"/>
+              <a:buChar char="–"/>
+            </a:pPr>
+            <a:r>
+              <a:rPr lang="zh-CN" altLang="en-US" dirty="0"/>
+              <a:t>测试设备方向</a:t>
+            </a:r>
+            <a:endParaRPr lang="en-US" altLang="zh-CN" dirty="0"/>
+          </a:p>
+          <a:p>
+            <a:pPr lvl="1">
+              <a:buFont typeface="等线" panose="02010600030101010101" pitchFamily="2" charset="-122"/>
+              <a:buChar char="–"/>
+            </a:pPr>
             <a:endParaRPr lang="en-US" altLang="zh-CN" dirty="0"/>
           </a:p>
         </p:txBody>
@@ -3507,89 +3545,6 @@
     <p:extLst>
       <p:ext uri="{BB962C8B-B14F-4D97-AF65-F5344CB8AC3E}">
         <p14:creationId xmlns:p14="http://schemas.microsoft.com/office/powerpoint/2010/main" val="4013202671"/>
-      </p:ext>
-    </p:extLst>
-  </p:cSld>
-  <p:clrMapOvr>
-    <a:masterClrMapping/>
-  </p:clrMapOvr>
-</p:sld>
-</file>
-
-<file path=ppt/slides/slide3.xml><?xml version="1.0" encoding="utf-8"?>
-<p:sld xmlns:a="http://schemas.openxmlformats.org/drawingml/2006/main" xmlns:r="http://schemas.openxmlformats.org/officeDocument/2006/relationships" xmlns:p="http://schemas.openxmlformats.org/presentationml/2006/main">
-  <p:cSld>
-    <p:spTree>
-      <p:nvGrpSpPr>
-        <p:cNvPr id="1" name=""/>
-        <p:cNvGrpSpPr/>
-        <p:nvPr/>
-      </p:nvGrpSpPr>
-      <p:grpSpPr>
-        <a:xfrm>
-          <a:off x="0" y="0"/>
-          <a:ext cx="0" cy="0"/>
-          <a:chOff x="0" y="0"/>
-          <a:chExt cx="0" cy="0"/>
-        </a:xfrm>
-      </p:grpSpPr>
-      <p:sp>
-        <p:nvSpPr>
-          <p:cNvPr id="2" name="标题 1">
-            <a:extLst>
-              <a:ext uri="{FF2B5EF4-FFF2-40B4-BE49-F238E27FC236}">
-                <a16:creationId xmlns:a16="http://schemas.microsoft.com/office/drawing/2014/main" id="{E91AB9B5-E4BF-438B-883B-B19B1273703E}"/>
-              </a:ext>
-            </a:extLst>
-          </p:cNvPr>
-          <p:cNvSpPr>
-            <a:spLocks noGrp="1"/>
-          </p:cNvSpPr>
-          <p:nvPr>
-            <p:ph type="title"/>
-          </p:nvPr>
-        </p:nvSpPr>
-        <p:spPr/>
-        <p:txBody>
-          <a:bodyPr/>
-          <a:lstStyle/>
-          <a:p>
-            <a:r>
-              <a:rPr lang="zh-CN" altLang="en-US" dirty="0"/>
-              <a:t>表单示例</a:t>
-            </a:r>
-          </a:p>
-        </p:txBody>
-      </p:sp>
-      <p:sp>
-        <p:nvSpPr>
-          <p:cNvPr id="6" name="内容占位符 5">
-            <a:extLst>
-              <a:ext uri="{FF2B5EF4-FFF2-40B4-BE49-F238E27FC236}">
-                <a16:creationId xmlns:a16="http://schemas.microsoft.com/office/drawing/2014/main" id="{10E2A52E-08FC-43F2-852B-73D498EBB2DD}"/>
-              </a:ext>
-            </a:extLst>
-          </p:cNvPr>
-          <p:cNvSpPr>
-            <a:spLocks noGrp="1"/>
-          </p:cNvSpPr>
-          <p:nvPr>
-            <p:ph idx="1"/>
-          </p:nvPr>
-        </p:nvSpPr>
-        <p:spPr/>
-        <p:txBody>
-          <a:bodyPr/>
-          <a:lstStyle/>
-          <a:p>
-            <a:endParaRPr lang="zh-CN" altLang="en-US"/>
-          </a:p>
-        </p:txBody>
-      </p:sp>
-    </p:spTree>
-    <p:extLst>
-      <p:ext uri="{BB962C8B-B14F-4D97-AF65-F5344CB8AC3E}">
-        <p14:creationId xmlns:p14="http://schemas.microsoft.com/office/powerpoint/2010/main" val="2815627543"/>
       </p:ext>
     </p:extLst>
   </p:cSld>
